--- a/release-engineering.pptx
+++ b/release-engineering.pptx
@@ -260,7 +260,7 @@
           <a:p>
             <a:fld id="{93532F8A-4D32-45A5-831A-7967AF1164E0}" type="datetimeFigureOut">
               <a:rPr lang="en-US" smtClean="0"/>
-              <a:t>2/27/2020</a:t>
+              <a:t>3/5/2020</a:t>
             </a:fld>
             <a:endParaRPr lang="en-US"/>
           </a:p>
@@ -458,7 +458,7 @@
           <a:p>
             <a:fld id="{93532F8A-4D32-45A5-831A-7967AF1164E0}" type="datetimeFigureOut">
               <a:rPr lang="en-US" smtClean="0"/>
-              <a:t>2/27/2020</a:t>
+              <a:t>3/5/2020</a:t>
             </a:fld>
             <a:endParaRPr lang="en-US"/>
           </a:p>
@@ -666,7 +666,7 @@
           <a:p>
             <a:fld id="{93532F8A-4D32-45A5-831A-7967AF1164E0}" type="datetimeFigureOut">
               <a:rPr lang="en-US" smtClean="0"/>
-              <a:t>2/27/2020</a:t>
+              <a:t>3/5/2020</a:t>
             </a:fld>
             <a:endParaRPr lang="en-US"/>
           </a:p>
@@ -1075,7 +1075,7 @@
           <a:p>
             <a:fld id="{93532F8A-4D32-45A5-831A-7967AF1164E0}" type="datetimeFigureOut">
               <a:rPr lang="en-US" smtClean="0"/>
-              <a:t>2/27/2020</a:t>
+              <a:t>3/5/2020</a:t>
             </a:fld>
             <a:endParaRPr lang="en-US"/>
           </a:p>
@@ -1350,7 +1350,7 @@
           <a:p>
             <a:fld id="{93532F8A-4D32-45A5-831A-7967AF1164E0}" type="datetimeFigureOut">
               <a:rPr lang="en-US" smtClean="0"/>
-              <a:t>2/27/2020</a:t>
+              <a:t>3/5/2020</a:t>
             </a:fld>
             <a:endParaRPr lang="en-US"/>
           </a:p>
@@ -1615,7 +1615,7 @@
           <a:p>
             <a:fld id="{93532F8A-4D32-45A5-831A-7967AF1164E0}" type="datetimeFigureOut">
               <a:rPr lang="en-US" smtClean="0"/>
-              <a:t>2/27/2020</a:t>
+              <a:t>3/5/2020</a:t>
             </a:fld>
             <a:endParaRPr lang="en-US"/>
           </a:p>
@@ -2027,7 +2027,7 @@
           <a:p>
             <a:fld id="{93532F8A-4D32-45A5-831A-7967AF1164E0}" type="datetimeFigureOut">
               <a:rPr lang="en-US" smtClean="0"/>
-              <a:t>2/27/2020</a:t>
+              <a:t>3/5/2020</a:t>
             </a:fld>
             <a:endParaRPr lang="en-US"/>
           </a:p>
@@ -2168,7 +2168,7 @@
           <a:p>
             <a:fld id="{93532F8A-4D32-45A5-831A-7967AF1164E0}" type="datetimeFigureOut">
               <a:rPr lang="en-US" smtClean="0"/>
-              <a:t>2/27/2020</a:t>
+              <a:t>3/5/2020</a:t>
             </a:fld>
             <a:endParaRPr lang="en-US"/>
           </a:p>
@@ -2281,7 +2281,7 @@
           <a:p>
             <a:fld id="{93532F8A-4D32-45A5-831A-7967AF1164E0}" type="datetimeFigureOut">
               <a:rPr lang="en-US" smtClean="0"/>
-              <a:t>2/27/2020</a:t>
+              <a:t>3/5/2020</a:t>
             </a:fld>
             <a:endParaRPr lang="en-US"/>
           </a:p>
@@ -2592,7 +2592,7 @@
           <a:p>
             <a:fld id="{93532F8A-4D32-45A5-831A-7967AF1164E0}" type="datetimeFigureOut">
               <a:rPr lang="en-US" smtClean="0"/>
-              <a:t>2/27/2020</a:t>
+              <a:t>3/5/2020</a:t>
             </a:fld>
             <a:endParaRPr lang="en-US"/>
           </a:p>
@@ -2880,7 +2880,7 @@
           <a:p>
             <a:fld id="{93532F8A-4D32-45A5-831A-7967AF1164E0}" type="datetimeFigureOut">
               <a:rPr lang="en-US" smtClean="0"/>
-              <a:t>2/27/2020</a:t>
+              <a:t>3/5/2020</a:t>
             </a:fld>
             <a:endParaRPr lang="en-US"/>
           </a:p>
@@ -3121,7 +3121,7 @@
           <a:p>
             <a:fld id="{93532F8A-4D32-45A5-831A-7967AF1164E0}" type="datetimeFigureOut">
               <a:rPr lang="en-US" smtClean="0"/>
-              <a:t>2/27/2020</a:t>
+              <a:t>3/5/2020</a:t>
             </a:fld>
             <a:endParaRPr lang="en-US"/>
           </a:p>
@@ -9861,7 +9861,7 @@
           <p:nvPr>
             <p:extLst>
               <p:ext uri="{D42A27DB-BD31-4B8C-83A1-F6EECF244321}">
-                <p14:modId xmlns:p14="http://schemas.microsoft.com/office/powerpoint/2010/main" val="276573083"/>
+                <p14:modId xmlns:p14="http://schemas.microsoft.com/office/powerpoint/2010/main" val="3598253249"/>
               </p:ext>
             </p:extLst>
           </p:nvPr>
@@ -9884,17 +9884,10 @@
                     </a:ext>
                   </a:extLst>
                 </a:gridCol>
-                <a:gridCol w="6946468">
+                <a:gridCol w="7441045">
                   <a:extLst>
                     <a:ext uri="{9D8B030D-6E8A-4147-A177-3AD203B41FA5}">
                       <a16:colId xmlns:a16="http://schemas.microsoft.com/office/drawing/2014/main" val="3435005527"/>
-                    </a:ext>
-                  </a:extLst>
-                </a:gridCol>
-                <a:gridCol w="494577">
-                  <a:extLst>
-                    <a:ext uri="{9D8B030D-6E8A-4147-A177-3AD203B41FA5}">
-                      <a16:colId xmlns:a16="http://schemas.microsoft.com/office/drawing/2014/main" val="1076769353"/>
                     </a:ext>
                   </a:extLst>
                 </a:gridCol>
@@ -9934,24 +9927,15 @@
                   </a:txBody>
                   <a:tcPr/>
                 </a:tc>
-                <a:tc gridSpan="2">
+                <a:tc>
                   <a:txBody>
                     <a:bodyPr/>
                     <a:lstStyle/>
                     <a:p>
                       <a:r>
-                        <a:rPr lang="en-US" sz="1000" dirty="0"/>
+                        <a:rPr lang="en-US" sz="1000"/>
                         <a:t>Git commands</a:t>
                       </a:r>
-                    </a:p>
-                  </a:txBody>
-                  <a:tcPr/>
-                </a:tc>
-                <a:tc hMerge="1">
-                  <a:txBody>
-                    <a:bodyPr/>
-                    <a:lstStyle/>
-                    <a:p>
                       <a:endParaRPr lang="en-US" sz="1000" dirty="0"/>
                     </a:p>
                   </a:txBody>
@@ -9964,7 +9948,7 @@
                 </a:extLst>
               </a:tr>
               <a:tr h="0">
-                <a:tc gridSpan="4">
+                <a:tc gridSpan="3">
                   <a:txBody>
                     <a:bodyPr/>
                     <a:lstStyle/>
@@ -9974,16 +9958,6 @@
                         <a:rPr lang="en-US" sz="1200" b="1" dirty="0"/>
                         <a:t>Development</a:t>
                       </a:r>
-                    </a:p>
-                  </a:txBody>
-                  <a:tcPr/>
-                </a:tc>
-                <a:tc hMerge="1">
-                  <a:txBody>
-                    <a:bodyPr/>
-                    <a:lstStyle/>
-                    <a:p>
-                      <a:endParaRPr lang="en-US" sz="1000" dirty="0"/>
                     </a:p>
                   </a:txBody>
                   <a:tcPr/>
@@ -10030,7 +10004,7 @@
                   </a:txBody>
                   <a:tcPr/>
                 </a:tc>
-                <a:tc gridSpan="3">
+                <a:tc gridSpan="2">
                   <a:txBody>
                     <a:bodyPr/>
                     <a:lstStyle/>
@@ -10050,16 +10024,6 @@
                       <a:endParaRPr lang="en-US" sz="1000" dirty="0">
                         <a:latin typeface="+mn-lt"/>
                       </a:endParaRPr>
-                    </a:p>
-                  </a:txBody>
-                  <a:tcPr/>
-                </a:tc>
-                <a:tc hMerge="1">
-                  <a:txBody>
-                    <a:bodyPr/>
-                    <a:lstStyle/>
-                    <a:p>
-                      <a:endParaRPr lang="en-US" sz="1000" dirty="0"/>
                     </a:p>
                   </a:txBody>
                   <a:tcPr/>
@@ -10097,7 +10061,7 @@
                   </a:txBody>
                   <a:tcPr/>
                 </a:tc>
-                <a:tc gridSpan="2">
+                <a:tc>
                   <a:txBody>
                     <a:bodyPr/>
                     <a:lstStyle/>
@@ -10120,96 +10084,6 @@
                     </a:p>
                   </a:txBody>
                   <a:tcPr/>
-                </a:tc>
-                <a:tc hMerge="1">
-                  <a:txBody>
-                    <a:bodyPr/>
-                    <a:lstStyle/>
-                    <a:p>
-                      <a:pPr marL="0" marR="0">
-                        <a:lnSpc>
-                          <a:spcPct val="107000"/>
-                        </a:lnSpc>
-                        <a:spcBef>
-                          <a:spcPts val="0"/>
-                        </a:spcBef>
-                        <a:spcAft>
-                          <a:spcPts val="0"/>
-                        </a:spcAft>
-                      </a:pPr>
-                      <a:r>
-                        <a:rPr lang="en-US" sz="1000" dirty="0">
-                          <a:effectLst/>
-                          <a:latin typeface="Courier New" panose="02070309020205020404" pitchFamily="49" charset="0"/>
-                          <a:ea typeface="Calibri" panose="020F0502020204030204" pitchFamily="34" charset="0"/>
-                          <a:cs typeface="Times New Roman" panose="02020603050405020304" pitchFamily="18" charset="0"/>
-                        </a:rPr>
-                        <a:t>git checkout –b feature/</a:t>
-                      </a:r>
-                      <a:r>
-                        <a:rPr lang="en-US" sz="1000" dirty="0" err="1">
-                          <a:effectLst/>
-                          <a:latin typeface="Courier New" panose="02070309020205020404" pitchFamily="49" charset="0"/>
-                          <a:ea typeface="Calibri" panose="020F0502020204030204" pitchFamily="34" charset="0"/>
-                          <a:cs typeface="Times New Roman" panose="02020603050405020304" pitchFamily="18" charset="0"/>
-                        </a:rPr>
-                        <a:t>abc</a:t>
-                      </a:r>
-                      <a:r>
-                        <a:rPr lang="en-US" sz="1000" dirty="0">
-                          <a:effectLst/>
-                          <a:latin typeface="Courier New" panose="02070309020205020404" pitchFamily="49" charset="0"/>
-                          <a:ea typeface="Calibri" panose="020F0502020204030204" pitchFamily="34" charset="0"/>
-                          <a:cs typeface="Times New Roman" panose="02020603050405020304" pitchFamily="18" charset="0"/>
-                        </a:rPr>
-                        <a:t> develop</a:t>
-                      </a:r>
-                      <a:endParaRPr lang="en-US" sz="1100" dirty="0">
-                        <a:effectLst/>
-                        <a:latin typeface="Calibri" panose="020F0502020204030204" pitchFamily="34" charset="0"/>
-                        <a:ea typeface="Calibri" panose="020F0502020204030204" pitchFamily="34" charset="0"/>
-                        <a:cs typeface="Times New Roman" panose="02020603050405020304" pitchFamily="18" charset="0"/>
-                      </a:endParaRPr>
-                    </a:p>
-                    <a:p>
-                      <a:pPr marL="0" marR="0">
-                        <a:lnSpc>
-                          <a:spcPct val="107000"/>
-                        </a:lnSpc>
-                        <a:spcBef>
-                          <a:spcPts val="0"/>
-                        </a:spcBef>
-                        <a:spcAft>
-                          <a:spcPts val="0"/>
-                        </a:spcAft>
-                      </a:pPr>
-                      <a:r>
-                        <a:rPr lang="en-US" sz="1000" dirty="0">
-                          <a:effectLst/>
-                          <a:latin typeface="Courier New" panose="02070309020205020404" pitchFamily="49" charset="0"/>
-                          <a:ea typeface="Calibri" panose="020F0502020204030204" pitchFamily="34" charset="0"/>
-                          <a:cs typeface="Times New Roman" panose="02020603050405020304" pitchFamily="18" charset="0"/>
-                        </a:rPr>
-                        <a:t>git push –u origin feature/</a:t>
-                      </a:r>
-                      <a:r>
-                        <a:rPr lang="en-US" sz="1000" dirty="0" err="1">
-                          <a:effectLst/>
-                          <a:latin typeface="Courier New" panose="02070309020205020404" pitchFamily="49" charset="0"/>
-                          <a:ea typeface="Calibri" panose="020F0502020204030204" pitchFamily="34" charset="0"/>
-                          <a:cs typeface="Times New Roman" panose="02020603050405020304" pitchFamily="18" charset="0"/>
-                        </a:rPr>
-                        <a:t>abc</a:t>
-                      </a:r>
-                      <a:endParaRPr lang="en-US" sz="1100" dirty="0">
-                        <a:effectLst/>
-                        <a:latin typeface="Calibri" panose="020F0502020204030204" pitchFamily="34" charset="0"/>
-                        <a:ea typeface="Calibri" panose="020F0502020204030204" pitchFamily="34" charset="0"/>
-                        <a:cs typeface="Times New Roman" panose="02020603050405020304" pitchFamily="18" charset="0"/>
-                      </a:endParaRPr>
-                    </a:p>
-                  </a:txBody>
-                  <a:tcPr marL="68580" marR="68580" marT="0" marB="0"/>
                 </a:tc>
                 <a:tc>
                   <a:txBody>
@@ -10295,7 +10169,7 @@
                   </a:txBody>
                   <a:tcPr/>
                 </a:tc>
-                <a:tc gridSpan="2">
+                <a:tc>
                   <a:txBody>
                     <a:bodyPr/>
                     <a:lstStyle/>
@@ -10329,169 +10203,6 @@
                     </a:p>
                   </a:txBody>
                   <a:tcPr marL="68580" marR="68580" marT="0" marB="0"/>
-                </a:tc>
-                <a:tc hMerge="1">
-                  <a:txBody>
-                    <a:bodyPr/>
-                    <a:lstStyle/>
-                    <a:p>
-                      <a:r>
-                        <a:rPr lang="en-US" sz="1000" kern="1200" dirty="0">
-                          <a:solidFill>
-                            <a:schemeClr val="dk1"/>
-                          </a:solidFill>
-                          <a:effectLst/>
-                          <a:latin typeface="Courier New" panose="02070309020205020404" pitchFamily="49" charset="0"/>
-                          <a:ea typeface="+mn-ea"/>
-                          <a:cs typeface="Courier New" panose="02070309020205020404" pitchFamily="49" charset="0"/>
-                        </a:rPr>
-                        <a:t>git merge develop</a:t>
-                      </a:r>
-                    </a:p>
-                    <a:p>
-                      <a:r>
-                        <a:rPr lang="en-US" sz="1000" kern="1200" dirty="0">
-                          <a:solidFill>
-                            <a:schemeClr val="dk1"/>
-                          </a:solidFill>
-                          <a:effectLst/>
-                          <a:latin typeface="Courier New" panose="02070309020205020404" pitchFamily="49" charset="0"/>
-                          <a:ea typeface="+mn-ea"/>
-                          <a:cs typeface="Courier New" panose="02070309020205020404" pitchFamily="49" charset="0"/>
-                        </a:rPr>
-                        <a:t>git push</a:t>
-                      </a:r>
-                    </a:p>
-                    <a:p>
-                      <a:r>
-                        <a:rPr lang="en-US" sz="1000" kern="1200" dirty="0">
-                          <a:solidFill>
-                            <a:schemeClr val="dk1"/>
-                          </a:solidFill>
-                          <a:effectLst/>
-                          <a:latin typeface="Courier New" panose="02070309020205020404" pitchFamily="49" charset="0"/>
-                          <a:ea typeface="+mn-ea"/>
-                          <a:cs typeface="Courier New" panose="02070309020205020404" pitchFamily="49" charset="0"/>
-                        </a:rPr>
-                        <a:t>git checkout develop</a:t>
-                      </a:r>
-                    </a:p>
-                    <a:p>
-                      <a:r>
-                        <a:rPr lang="en-US" sz="1000" kern="1200" dirty="0">
-                          <a:solidFill>
-                            <a:schemeClr val="dk1"/>
-                          </a:solidFill>
-                          <a:effectLst/>
-                          <a:latin typeface="Courier New" panose="02070309020205020404" pitchFamily="49" charset="0"/>
-                          <a:ea typeface="+mn-ea"/>
-                          <a:cs typeface="Courier New" panose="02070309020205020404" pitchFamily="49" charset="0"/>
-                        </a:rPr>
-                        <a:t>git merge --no-ff feature/</a:t>
-                      </a:r>
-                      <a:r>
-                        <a:rPr lang="en-US" sz="1000" kern="1200" dirty="0" err="1">
-                          <a:solidFill>
-                            <a:schemeClr val="dk1"/>
-                          </a:solidFill>
-                          <a:effectLst/>
-                          <a:latin typeface="Courier New" panose="02070309020205020404" pitchFamily="49" charset="0"/>
-                          <a:ea typeface="+mn-ea"/>
-                          <a:cs typeface="Courier New" panose="02070309020205020404" pitchFamily="49" charset="0"/>
-                        </a:rPr>
-                        <a:t>abc</a:t>
-                      </a:r>
-                      <a:endParaRPr lang="en-US" sz="1000" kern="1200" dirty="0">
-                        <a:solidFill>
-                          <a:schemeClr val="dk1"/>
-                        </a:solidFill>
-                        <a:effectLst/>
-                        <a:latin typeface="Courier New" panose="02070309020205020404" pitchFamily="49" charset="0"/>
-                        <a:ea typeface="+mn-ea"/>
-                        <a:cs typeface="Courier New" panose="02070309020205020404" pitchFamily="49" charset="0"/>
-                      </a:endParaRPr>
-                    </a:p>
-                    <a:p>
-                      <a:r>
-                        <a:rPr lang="en-US" sz="1000" kern="1200" dirty="0">
-                          <a:solidFill>
-                            <a:schemeClr val="dk1"/>
-                          </a:solidFill>
-                          <a:effectLst/>
-                          <a:latin typeface="Courier New" panose="02070309020205020404" pitchFamily="49" charset="0"/>
-                          <a:ea typeface="+mn-ea"/>
-                          <a:cs typeface="Courier New" panose="02070309020205020404" pitchFamily="49" charset="0"/>
-                        </a:rPr>
-                        <a:t>git push</a:t>
-                      </a:r>
-                    </a:p>
-                    <a:p>
-                      <a:r>
-                        <a:rPr lang="en-US" sz="1000" kern="1200" dirty="0">
-                          <a:solidFill>
-                            <a:schemeClr val="dk1"/>
-                          </a:solidFill>
-                          <a:effectLst/>
-                          <a:latin typeface="Courier New" panose="02070309020205020404" pitchFamily="49" charset="0"/>
-                          <a:ea typeface="+mn-ea"/>
-                          <a:cs typeface="Courier New" panose="02070309020205020404" pitchFamily="49" charset="0"/>
-                        </a:rPr>
-                        <a:t>git branch –d feature/</a:t>
-                      </a:r>
-                      <a:r>
-                        <a:rPr lang="en-US" sz="1000" kern="1200" dirty="0" err="1">
-                          <a:solidFill>
-                            <a:schemeClr val="dk1"/>
-                          </a:solidFill>
-                          <a:effectLst/>
-                          <a:latin typeface="Courier New" panose="02070309020205020404" pitchFamily="49" charset="0"/>
-                          <a:ea typeface="+mn-ea"/>
-                          <a:cs typeface="Courier New" panose="02070309020205020404" pitchFamily="49" charset="0"/>
-                        </a:rPr>
-                        <a:t>abc</a:t>
-                      </a:r>
-                      <a:endParaRPr lang="en-US" sz="1000" kern="1200" dirty="0">
-                        <a:solidFill>
-                          <a:schemeClr val="dk1"/>
-                        </a:solidFill>
-                        <a:effectLst/>
-                        <a:latin typeface="Courier New" panose="02070309020205020404" pitchFamily="49" charset="0"/>
-                        <a:ea typeface="+mn-ea"/>
-                        <a:cs typeface="Courier New" panose="02070309020205020404" pitchFamily="49" charset="0"/>
-                      </a:endParaRPr>
-                    </a:p>
-                    <a:p>
-                      <a:r>
-                        <a:rPr lang="en-US" sz="1000" kern="1200" dirty="0">
-                          <a:solidFill>
-                            <a:schemeClr val="dk1"/>
-                          </a:solidFill>
-                          <a:effectLst/>
-                          <a:latin typeface="Courier New" panose="02070309020205020404" pitchFamily="49" charset="0"/>
-                          <a:ea typeface="+mn-ea"/>
-                          <a:cs typeface="Courier New" panose="02070309020205020404" pitchFamily="49" charset="0"/>
-                        </a:rPr>
-                        <a:t>git push origin –delete feature/</a:t>
-                      </a:r>
-                      <a:r>
-                        <a:rPr lang="en-US" sz="1000" kern="1200" dirty="0" err="1">
-                          <a:solidFill>
-                            <a:schemeClr val="dk1"/>
-                          </a:solidFill>
-                          <a:effectLst/>
-                          <a:latin typeface="Courier New" panose="02070309020205020404" pitchFamily="49" charset="0"/>
-                          <a:ea typeface="+mn-ea"/>
-                          <a:cs typeface="Courier New" panose="02070309020205020404" pitchFamily="49" charset="0"/>
-                        </a:rPr>
-                        <a:t>abc</a:t>
-                      </a:r>
-                      <a:endParaRPr lang="en-US" sz="1000" dirty="0">
-                        <a:latin typeface="Courier New" panose="02070309020205020404" pitchFamily="49" charset="0"/>
-                        <a:cs typeface="Courier New" panose="02070309020205020404" pitchFamily="49" charset="0"/>
-                      </a:endParaRPr>
-                    </a:p>
-                  </a:txBody>
-                  <a:tcPr/>
                 </a:tc>
                 <a:tc>
                   <a:txBody>
@@ -10671,13 +10382,13 @@
                       <a:pPr algn="ctr"/>
                       <a:r>
                         <a:rPr lang="en-US" sz="1000" dirty="0"/>
-                        <a:t>3</a:t>
+                        <a:t>4</a:t>
                       </a:r>
                     </a:p>
                   </a:txBody>
                   <a:tcPr/>
                 </a:tc>
-                <a:tc gridSpan="3">
+                <a:tc gridSpan="2">
                   <a:txBody>
                     <a:bodyPr/>
                     <a:lstStyle/>
@@ -10717,16 +10428,6 @@
                     <a:bodyPr/>
                     <a:lstStyle/>
                     <a:p>
-                      <a:endParaRPr lang="en-US" sz="1000" dirty="0"/>
-                    </a:p>
-                  </a:txBody>
-                  <a:tcPr/>
-                </a:tc>
-                <a:tc hMerge="1">
-                  <a:txBody>
-                    <a:bodyPr/>
-                    <a:lstStyle/>
-                    <a:p>
                       <a:pPr marL="0" marR="0">
                         <a:lnSpc>
                           <a:spcPct val="107000"/>
@@ -10755,7 +10456,7 @@
                 </a:extLst>
               </a:tr>
               <a:tr h="0">
-                <a:tc gridSpan="4">
+                <a:tc gridSpan="3">
                   <a:txBody>
                     <a:bodyPr/>
                     <a:lstStyle/>
@@ -10765,16 +10466,6 @@
                         <a:rPr lang="en-US" sz="1200" b="1" dirty="0"/>
                         <a:t>Pre-release</a:t>
                       </a:r>
-                    </a:p>
-                  </a:txBody>
-                  <a:tcPr/>
-                </a:tc>
-                <a:tc hMerge="1">
-                  <a:txBody>
-                    <a:bodyPr/>
-                    <a:lstStyle/>
-                    <a:p>
-                      <a:endParaRPr lang="en-US" sz="1000" dirty="0"/>
                     </a:p>
                   </a:txBody>
                   <a:tcPr/>
@@ -10821,7 +10512,7 @@
                   </a:txBody>
                   <a:tcPr/>
                 </a:tc>
-                <a:tc gridSpan="2">
+                <a:tc>
                   <a:txBody>
                     <a:bodyPr/>
                     <a:lstStyle/>
@@ -10845,69 +10536,6 @@
                           <a:cs typeface="Times New Roman" panose="02020603050405020304" pitchFamily="18" charset="0"/>
                         </a:rPr>
                         <a:t>A release branch is created off develop in release and affected product repositories. If there were no changes in some products then the pipeline definition in the release branch in the release repository shall be updated to point to the last release tag for those products. However, it is better to create release branches in all products for consistency and also to account for a possibility of a bug fix in a product which was not modified during the develop phase.</a:t>
-                      </a:r>
-                      <a:endParaRPr lang="en-US" sz="1100" dirty="0">
-                        <a:effectLst/>
-                        <a:latin typeface="Calibri" panose="020F0502020204030204" pitchFamily="34" charset="0"/>
-                        <a:ea typeface="Calibri" panose="020F0502020204030204" pitchFamily="34" charset="0"/>
-                        <a:cs typeface="Times New Roman" panose="02020603050405020304" pitchFamily="18" charset="0"/>
-                      </a:endParaRPr>
-                    </a:p>
-                  </a:txBody>
-                  <a:tcPr marL="68580" marR="68580" marT="0" marB="0"/>
-                </a:tc>
-                <a:tc hMerge="1">
-                  <a:txBody>
-                    <a:bodyPr/>
-                    <a:lstStyle/>
-                    <a:p>
-                      <a:pPr marL="0" marR="0">
-                        <a:lnSpc>
-                          <a:spcPct val="107000"/>
-                        </a:lnSpc>
-                        <a:spcBef>
-                          <a:spcPts val="0"/>
-                        </a:spcBef>
-                        <a:spcAft>
-                          <a:spcPts val="0"/>
-                        </a:spcAft>
-                      </a:pPr>
-                      <a:r>
-                        <a:rPr lang="en-US" sz="1000" dirty="0">
-                          <a:effectLst/>
-                          <a:latin typeface="Courier New" panose="02070309020205020404" pitchFamily="49" charset="0"/>
-                          <a:ea typeface="Calibri" panose="020F0502020204030204" pitchFamily="34" charset="0"/>
-                          <a:cs typeface="Times New Roman" panose="02020603050405020304" pitchFamily="18" charset="0"/>
-                        </a:rPr>
-                        <a:t>git checkout –b release/YYYY-MM develop</a:t>
-                      </a:r>
-                      <a:endParaRPr lang="en-US" sz="1100" dirty="0">
-                        <a:effectLst/>
-                        <a:latin typeface="Calibri" panose="020F0502020204030204" pitchFamily="34" charset="0"/>
-                        <a:ea typeface="Calibri" panose="020F0502020204030204" pitchFamily="34" charset="0"/>
-                        <a:cs typeface="Times New Roman" panose="02020603050405020304" pitchFamily="18" charset="0"/>
-                      </a:endParaRPr>
-                    </a:p>
-                    <a:p>
-                      <a:pPr marL="0" marR="0">
-                        <a:lnSpc>
-                          <a:spcPct val="107000"/>
-                        </a:lnSpc>
-                        <a:spcBef>
-                          <a:spcPts val="0"/>
-                        </a:spcBef>
-                        <a:spcAft>
-                          <a:spcPts val="0"/>
-                        </a:spcAft>
-                      </a:pPr>
-                      <a:r>
-                        <a:rPr lang="en-US" sz="1000" dirty="0">
-                          <a:effectLst/>
-                          <a:latin typeface="Courier New" panose="02070309020205020404" pitchFamily="49" charset="0"/>
-                          <a:ea typeface="Calibri" panose="020F0502020204030204" pitchFamily="34" charset="0"/>
-                          <a:cs typeface="Times New Roman" panose="02020603050405020304" pitchFamily="18" charset="0"/>
-                        </a:rPr>
-                        <a:t>git push –u origin release/YYYY-MM</a:t>
                       </a:r>
                       <a:endParaRPr lang="en-US" sz="1100" dirty="0">
                         <a:effectLst/>
@@ -11003,7 +10631,7 @@
                   </a:txBody>
                   <a:tcPr/>
                 </a:tc>
-                <a:tc gridSpan="3">
+                <a:tc gridSpan="2">
                   <a:txBody>
                     <a:bodyPr/>
                     <a:lstStyle/>
@@ -11037,16 +10665,6 @@
                     </a:p>
                   </a:txBody>
                   <a:tcPr marL="68580" marR="68580" marT="0" marB="0"/>
-                </a:tc>
-                <a:tc hMerge="1">
-                  <a:txBody>
-                    <a:bodyPr/>
-                    <a:lstStyle/>
-                    <a:p>
-                      <a:endParaRPr lang="en-US" sz="1000" dirty="0"/>
-                    </a:p>
-                  </a:txBody>
-                  <a:tcPr/>
                 </a:tc>
                 <a:tc hMerge="1">
                   <a:txBody>
@@ -11095,7 +10713,7 @@
                   </a:txBody>
                   <a:tcPr/>
                 </a:tc>
-                <a:tc gridSpan="3">
+                <a:tc gridSpan="2">
                   <a:txBody>
                     <a:bodyPr/>
                     <a:lstStyle/>
@@ -11129,16 +10747,6 @@
                     </a:p>
                   </a:txBody>
                   <a:tcPr marL="68580" marR="68580" marT="0" marB="0"/>
-                </a:tc>
-                <a:tc hMerge="1">
-                  <a:txBody>
-                    <a:bodyPr/>
-                    <a:lstStyle/>
-                    <a:p>
-                      <a:endParaRPr lang="en-US" sz="1000" dirty="0"/>
-                    </a:p>
-                  </a:txBody>
-                  <a:tcPr/>
                 </a:tc>
                 <a:tc hMerge="1">
                   <a:txBody>
@@ -11187,7 +10795,7 @@
                   </a:txBody>
                   <a:tcPr/>
                 </a:tc>
-                <a:tc gridSpan="3">
+                <a:tc gridSpan="2">
                   <a:txBody>
                     <a:bodyPr/>
                     <a:lstStyle/>
@@ -11227,16 +10835,6 @@
                     <a:bodyPr/>
                     <a:lstStyle/>
                     <a:p>
-                      <a:endParaRPr lang="en-US" dirty="0"/>
-                    </a:p>
-                  </a:txBody>
-                  <a:tcPr/>
-                </a:tc>
-                <a:tc hMerge="1">
-                  <a:txBody>
-                    <a:bodyPr/>
-                    <a:lstStyle/>
-                    <a:p>
                       <a:pPr marL="0" marR="0">
                         <a:lnSpc>
                           <a:spcPct val="107000"/>
@@ -11265,7 +10863,7 @@
                 </a:extLst>
               </a:tr>
               <a:tr h="157163">
-                <a:tc gridSpan="4">
+                <a:tc gridSpan="3">
                   <a:txBody>
                     <a:bodyPr/>
                     <a:lstStyle/>
@@ -11275,16 +10873,6 @@
                         <a:rPr lang="en-US" sz="1200" b="1" dirty="0"/>
                         <a:t>Release</a:t>
                       </a:r>
-                    </a:p>
-                  </a:txBody>
-                  <a:tcPr/>
-                </a:tc>
-                <a:tc hMerge="1">
-                  <a:txBody>
-                    <a:bodyPr/>
-                    <a:lstStyle/>
-                    <a:p>
-                      <a:endParaRPr lang="en-US" sz="1000" dirty="0"/>
                     </a:p>
                   </a:txBody>
                   <a:tcPr/>
@@ -11331,7 +10919,7 @@
                   </a:txBody>
                   <a:tcPr/>
                 </a:tc>
-                <a:tc gridSpan="2">
+                <a:tc>
                   <a:txBody>
                     <a:bodyPr/>
                     <a:lstStyle/>
@@ -11355,69 +10943,6 @@
                           <a:cs typeface="Times New Roman" panose="02020603050405020304" pitchFamily="18" charset="0"/>
                         </a:rPr>
                         <a:t>Release branch is merged into master (see 3,5), the pipeline definition is updated if it was changed in step 6 (see 10), a tag is created, an end-to-end build off master is executed, the release branch is deleted (see 3,5).</a:t>
-                      </a:r>
-                      <a:endParaRPr lang="en-US" sz="1100" dirty="0">
-                        <a:effectLst/>
-                        <a:latin typeface="Calibri" panose="020F0502020204030204" pitchFamily="34" charset="0"/>
-                        <a:ea typeface="Calibri" panose="020F0502020204030204" pitchFamily="34" charset="0"/>
-                        <a:cs typeface="Times New Roman" panose="02020603050405020304" pitchFamily="18" charset="0"/>
-                      </a:endParaRPr>
-                    </a:p>
-                  </a:txBody>
-                  <a:tcPr marL="68580" marR="68580" marT="0" marB="0"/>
-                </a:tc>
-                <a:tc hMerge="1">
-                  <a:txBody>
-                    <a:bodyPr/>
-                    <a:lstStyle/>
-                    <a:p>
-                      <a:pPr marL="0" marR="0">
-                        <a:lnSpc>
-                          <a:spcPct val="107000"/>
-                        </a:lnSpc>
-                        <a:spcBef>
-                          <a:spcPts val="0"/>
-                        </a:spcBef>
-                        <a:spcAft>
-                          <a:spcPts val="0"/>
-                        </a:spcAft>
-                      </a:pPr>
-                      <a:r>
-                        <a:rPr lang="en-US" sz="1000" dirty="0">
-                          <a:effectLst/>
-                          <a:latin typeface="Courier New" panose="02070309020205020404" pitchFamily="49" charset="0"/>
-                          <a:ea typeface="Calibri" panose="020F0502020204030204" pitchFamily="34" charset="0"/>
-                          <a:cs typeface="Times New Roman" panose="02020603050405020304" pitchFamily="18" charset="0"/>
-                        </a:rPr>
-                        <a:t>git tag release-YYYY-MM</a:t>
-                      </a:r>
-                      <a:endParaRPr lang="en-US" sz="1100" dirty="0">
-                        <a:effectLst/>
-                        <a:latin typeface="Calibri" panose="020F0502020204030204" pitchFamily="34" charset="0"/>
-                        <a:ea typeface="Calibri" panose="020F0502020204030204" pitchFamily="34" charset="0"/>
-                        <a:cs typeface="Times New Roman" panose="02020603050405020304" pitchFamily="18" charset="0"/>
-                      </a:endParaRPr>
-                    </a:p>
-                    <a:p>
-                      <a:pPr marL="0" marR="0">
-                        <a:lnSpc>
-                          <a:spcPct val="107000"/>
-                        </a:lnSpc>
-                        <a:spcBef>
-                          <a:spcPts val="0"/>
-                        </a:spcBef>
-                        <a:spcAft>
-                          <a:spcPts val="0"/>
-                        </a:spcAft>
-                      </a:pPr>
-                      <a:r>
-                        <a:rPr lang="en-US" sz="1000" dirty="0">
-                          <a:effectLst/>
-                          <a:latin typeface="Courier New" panose="02070309020205020404" pitchFamily="49" charset="0"/>
-                          <a:ea typeface="Calibri" panose="020F0502020204030204" pitchFamily="34" charset="0"/>
-                          <a:cs typeface="Times New Roman" panose="02020603050405020304" pitchFamily="18" charset="0"/>
-                        </a:rPr>
-                        <a:t>git push origin release-YYYY-MM</a:t>
                       </a:r>
                       <a:endParaRPr lang="en-US" sz="1100" dirty="0">
                         <a:effectLst/>
@@ -11499,7 +11024,7 @@
                 </a:extLst>
               </a:tr>
               <a:tr h="126327">
-                <a:tc gridSpan="4">
+                <a:tc gridSpan="3">
                   <a:txBody>
                     <a:bodyPr/>
                     <a:lstStyle/>
@@ -11536,16 +11061,6 @@
                     <a:bodyPr/>
                     <a:lstStyle/>
                     <a:p>
-                      <a:endParaRPr lang="en-US" sz="1000" dirty="0"/>
-                    </a:p>
-                  </a:txBody>
-                  <a:tcPr/>
-                </a:tc>
-                <a:tc hMerge="1">
-                  <a:txBody>
-                    <a:bodyPr/>
-                    <a:lstStyle/>
-                    <a:p>
                       <a:pPr algn="ctr"/>
                       <a:endParaRPr lang="en-US" sz="1200" dirty="0"/>
                     </a:p>
@@ -11573,7 +11088,7 @@
                   </a:txBody>
                   <a:tcPr/>
                 </a:tc>
-                <a:tc gridSpan="3">
+                <a:tc gridSpan="2">
                   <a:txBody>
                     <a:bodyPr/>
                     <a:lstStyle/>
@@ -11607,16 +11122,6 @@
                     </a:p>
                   </a:txBody>
                   <a:tcPr marL="68580" marR="68580" marT="0" marB="0"/>
-                </a:tc>
-                <a:tc hMerge="1">
-                  <a:txBody>
-                    <a:bodyPr/>
-                    <a:lstStyle/>
-                    <a:p>
-                      <a:endParaRPr lang="en-US" sz="1000" dirty="0"/>
-                    </a:p>
-                  </a:txBody>
-                  <a:tcPr/>
                 </a:tc>
                 <a:tc hMerge="1">
                   <a:txBody>

--- a/release-engineering.pptx
+++ b/release-engineering.pptx
@@ -9861,7 +9861,7 @@
           <p:nvPr>
             <p:extLst>
               <p:ext uri="{D42A27DB-BD31-4B8C-83A1-F6EECF244321}">
-                <p14:modId xmlns:p14="http://schemas.microsoft.com/office/powerpoint/2010/main" val="3598253249"/>
+                <p14:modId xmlns:p14="http://schemas.microsoft.com/office/powerpoint/2010/main" val="652949842"/>
               </p:ext>
             </p:extLst>
           </p:nvPr>
@@ -10192,7 +10192,16 @@
                           <a:ea typeface="Calibri" panose="020F0502020204030204" pitchFamily="34" charset="0"/>
                           <a:cs typeface="Times New Roman" panose="02020603050405020304" pitchFamily="18" charset="0"/>
                         </a:rPr>
-                        <a:t>Once a feature is implemented it is merged into develop. First, develop is merged into the feature branch and any merge conflicts and other problems are resolved. Then the feature branch is merged into develop with --no-ff option is order to preserve branching history. Once merged, the feature branch is deleted. The pipeline build is executed.</a:t>
+                        <a:t>Once a feature is implemented it is merged into develop. First, develop is merged into the feature branch and any merge conflicts and other problems are resolved. Then the feature branch is merged into develop with --no-ff option is order to preserve branching history. Once merged, the feature branch is deleted. The pipeline build is executed. The feature branch directory on the web </a:t>
+                      </a:r>
+                      <a:r>
+                        <a:rPr lang="en-US" sz="1000">
+                          <a:effectLst/>
+                          <a:latin typeface="+mn-lt"/>
+                          <a:ea typeface="Calibri" panose="020F0502020204030204" pitchFamily="34" charset="0"/>
+                          <a:cs typeface="Times New Roman" panose="02020603050405020304" pitchFamily="18" charset="0"/>
+                        </a:rPr>
+                        <a:t>server is deleted.</a:t>
                       </a:r>
                       <a:endParaRPr lang="en-US" sz="1100" dirty="0">
                         <a:effectLst/>
